--- a/presentations/pptx/04_Pyrad_architecture_and_principles.pptx
+++ b/presentations/pptx/04_Pyrad_architecture_and_principles.pptx
@@ -50,8 +50,7 @@
     <p:sldId id="296" r:id="rId44"/>
     <p:sldId id="297" r:id="rId45"/>
     <p:sldId id="298" r:id="rId46"/>
-    <p:sldId id="299" r:id="rId47"/>
-    <p:sldId id="300" r:id="rId48"/>
+    <p:sldId id="300" r:id="rId47"/>
   </p:sldIdLst>
   <p:sldSz cx="10691813" cy="7559675"/>
   <p:notesSz cx="7559675" cy="10691813"/>
@@ -10211,7 +10210,7 @@
           <a:p>
             <a:fld id="{8F091282-FEB0-46D9-BE9A-99F9CEBC97B1}" type="datetime1">
               <a:rPr lang="ca-ES"/>
-              <a:t>16/8/2023</a:t>
+              <a:t>8/9/2023</a:t>
             </a:fld>
             <a:endParaRPr lang="ca-ES"/>
           </a:p>
@@ -11316,7 +11315,7 @@
           <a:p>
             <a:fld id="{C0237924-F4AB-4905-BF91-D0A107AF5C49}" type="datetime1">
               <a:rPr lang="ca-ES"/>
-              <a:t>16/8/2023</a:t>
+              <a:t>8/9/2023</a:t>
             </a:fld>
             <a:endParaRPr lang="ca-ES"/>
           </a:p>
@@ -11454,7 +11453,7 @@
           <a:p>
             <a:fld id="{D71764F9-6D2A-42BD-898E-C064F13D5811}" type="datetime1">
               <a:rPr lang="ca-ES"/>
-              <a:t>16/8/2023</a:t>
+              <a:t>8/9/2023</a:t>
             </a:fld>
             <a:endParaRPr lang="ca-ES"/>
           </a:p>
@@ -12974,7 +12973,7 @@
           <a:p>
             <a:fld id="{CEF2FEDF-F3B8-4334-AF0B-B078D5CE002A}" type="datetime1">
               <a:rPr lang="ca-ES"/>
-              <a:t>16/8/2023</a:t>
+              <a:t>8/9/2023</a:t>
             </a:fld>
             <a:endParaRPr lang="ca-ES"/>
           </a:p>
@@ -13717,7 +13716,7 @@
           <a:p>
             <a:fld id="{0D57816E-23E3-4591-AD66-AAB41123B846}" type="datetime1">
               <a:rPr lang="ca-ES"/>
-              <a:t>16/8/2023</a:t>
+              <a:t>8/9/2023</a:t>
             </a:fld>
             <a:endParaRPr lang="ca-ES"/>
           </a:p>
@@ -15637,7 +15636,7 @@
           <a:p>
             <a:fld id="{27F96452-6EF6-4CC6-A6C6-749D6375CA32}" type="datetime1">
               <a:rPr lang="ca-ES"/>
-              <a:t>16/8/2023</a:t>
+              <a:t>8/9/2023</a:t>
             </a:fld>
             <a:endParaRPr lang="ca-ES"/>
           </a:p>
@@ -16759,7 +16758,7 @@
           <a:p>
             <a:fld id="{47928479-8A56-4B46-8E99-05AF88751E33}" type="datetime1">
               <a:rPr lang="ca-ES"/>
-              <a:t>16/8/2023</a:t>
+              <a:t>8/9/2023</a:t>
             </a:fld>
             <a:endParaRPr lang="ca-ES"/>
           </a:p>
@@ -16897,7 +16896,7 @@
           <a:p>
             <a:fld id="{AD89A918-2768-44DD-8EC8-2008C20F9295}" type="datetime1">
               <a:rPr lang="ca-ES"/>
-              <a:t>16/8/2023</a:t>
+              <a:t>8/9/2023</a:t>
             </a:fld>
             <a:endParaRPr lang="ca-ES"/>
           </a:p>
@@ -17136,7 +17135,7 @@
           <a:p>
             <a:fld id="{769B1659-1448-4EC1-8116-573605C29390}" type="datetime1">
               <a:rPr lang="ca-ES"/>
-              <a:t>16/8/2023</a:t>
+              <a:t>8/9/2023</a:t>
             </a:fld>
             <a:endParaRPr lang="ca-ES"/>
           </a:p>
@@ -17664,7 +17663,7 @@
           <a:p>
             <a:fld id="{A32E7D6F-F768-4255-ABEB-CDA1E96DFE46}" type="datetime1">
               <a:rPr lang="ca-ES"/>
-              <a:t>16/8/2023</a:t>
+              <a:t>8/9/2023</a:t>
             </a:fld>
             <a:endParaRPr lang="ca-ES"/>
           </a:p>
@@ -17788,7 +17787,7 @@
               <a:buChar char=""/>
             </a:pPr>
             <a:r>
-              <a:rPr lang="en-GB" sz="2000" b="0" strike="noStrike" spc="-1">
+              <a:rPr lang="en-GB" sz="2000" b="0" strike="noStrike" spc="-1" dirty="0">
                 <a:solidFill>
                   <a:srgbClr val="000000"/>
                 </a:solidFill>
@@ -17796,7 +17795,7 @@
               </a:rPr>
               <a:t>Introduction</a:t>
             </a:r>
-            <a:endParaRPr lang="fr-FR" sz="2000" b="0" strike="noStrike" spc="-1">
+            <a:endParaRPr lang="fr-FR" sz="2000" b="0" strike="noStrike" spc="-1" dirty="0">
               <a:solidFill>
                 <a:srgbClr val="000000"/>
               </a:solidFill>
@@ -17816,15 +17815,24 @@
               <a:buChar char=""/>
             </a:pPr>
             <a:r>
-              <a:rPr lang="en-GB" sz="2000" b="0" strike="noStrike" spc="-1">
+              <a:rPr lang="en-GB" sz="2000" b="0" strike="noStrike" spc="-1" dirty="0" err="1">
                 <a:solidFill>
                   <a:srgbClr val="000000"/>
                 </a:solidFill>
                 <a:latin typeface="Arial"/>
               </a:rPr>
-              <a:t>Pyrad working philosophy</a:t>
-            </a:r>
-            <a:endParaRPr lang="fr-FR" sz="2000" b="0" strike="noStrike" spc="-1">
+              <a:t>Pyrad</a:t>
+            </a:r>
+            <a:r>
+              <a:rPr lang="en-GB" sz="2000" b="0" strike="noStrike" spc="-1" dirty="0">
+                <a:solidFill>
+                  <a:srgbClr val="000000"/>
+                </a:solidFill>
+                <a:latin typeface="Arial"/>
+              </a:rPr>
+              <a:t> working philosophy</a:t>
+            </a:r>
+            <a:endParaRPr lang="fr-FR" sz="2000" b="0" strike="noStrike" spc="-1" dirty="0">
               <a:solidFill>
                 <a:srgbClr val="000000"/>
               </a:solidFill>
@@ -17844,15 +17852,24 @@
               <a:buChar char=""/>
             </a:pPr>
             <a:r>
-              <a:rPr lang="en-GB" sz="2000" b="0" strike="noStrike" spc="-1">
+              <a:rPr lang="en-GB" sz="2000" b="0" strike="noStrike" spc="-1" dirty="0" err="1">
                 <a:solidFill>
                   <a:srgbClr val="000000"/>
                 </a:solidFill>
                 <a:latin typeface="Arial"/>
               </a:rPr>
-              <a:t>Pyrad architecture</a:t>
-            </a:r>
-            <a:endParaRPr lang="fr-FR" sz="2000" b="0" strike="noStrike" spc="-1">
+              <a:t>Pyrad</a:t>
+            </a:r>
+            <a:r>
+              <a:rPr lang="en-GB" sz="2000" b="0" strike="noStrike" spc="-1" dirty="0">
+                <a:solidFill>
+                  <a:srgbClr val="000000"/>
+                </a:solidFill>
+                <a:latin typeface="Arial"/>
+              </a:rPr>
+              <a:t> architecture</a:t>
+            </a:r>
+            <a:endParaRPr lang="fr-FR" sz="2000" b="0" strike="noStrike" spc="-1" dirty="0">
               <a:solidFill>
                 <a:srgbClr val="000000"/>
               </a:solidFill>
@@ -17872,15 +17889,24 @@
               <a:buChar char=""/>
             </a:pPr>
             <a:r>
-              <a:rPr lang="en-GB" sz="2000" b="0" strike="noStrike" spc="-1">
+              <a:rPr lang="en-GB" sz="2000" b="0" strike="noStrike" spc="-1" dirty="0">
                 <a:solidFill>
                   <a:srgbClr val="000000"/>
                 </a:solidFill>
                 <a:latin typeface="Arial"/>
               </a:rPr>
-              <a:t>Launching Pyrad</a:t>
-            </a:r>
-            <a:endParaRPr lang="fr-FR" sz="2000" b="0" strike="noStrike" spc="-1">
+              <a:t>Launching </a:t>
+            </a:r>
+            <a:r>
+              <a:rPr lang="en-GB" sz="2000" b="0" strike="noStrike" spc="-1" dirty="0" err="1">
+                <a:solidFill>
+                  <a:srgbClr val="000000"/>
+                </a:solidFill>
+                <a:latin typeface="Arial"/>
+              </a:rPr>
+              <a:t>Pyrad</a:t>
+            </a:r>
+            <a:endParaRPr lang="fr-FR" sz="2000" b="0" strike="noStrike" spc="-1" dirty="0">
               <a:solidFill>
                 <a:srgbClr val="000000"/>
               </a:solidFill>
@@ -17900,7 +17926,7 @@
               <a:buChar char=""/>
             </a:pPr>
             <a:r>
-              <a:rPr lang="en-GB" sz="2000" b="0" strike="noStrike" spc="-1">
+              <a:rPr lang="en-GB" sz="2000" b="0" strike="noStrike" spc="-1" dirty="0">
                 <a:solidFill>
                   <a:srgbClr val="000000"/>
                 </a:solidFill>
@@ -17908,7 +17934,7 @@
               </a:rPr>
               <a:t>File management</a:t>
             </a:r>
-            <a:endParaRPr lang="fr-FR" sz="2000" b="0" strike="noStrike" spc="-1">
+            <a:endParaRPr lang="fr-FR" sz="2000" b="0" strike="noStrike" spc="-1" dirty="0">
               <a:solidFill>
                 <a:srgbClr val="000000"/>
               </a:solidFill>
@@ -17928,43 +17954,24 @@
               <a:buChar char=""/>
             </a:pPr>
             <a:r>
+              <a:rPr lang="en-GB" sz="2000" b="0" strike="noStrike" spc="-1" dirty="0">
+                <a:solidFill>
+                  <a:srgbClr val="000000"/>
+                </a:solidFill>
+                <a:latin typeface="Arial"/>
+              </a:rPr>
+              <a:t>Constructing the </a:t>
+            </a:r>
+            <a:r>
               <a:rPr lang="en-GB" sz="2000" b="0" strike="noStrike" spc="-1">
                 <a:solidFill>
                   <a:srgbClr val="000000"/>
                 </a:solidFill>
                 <a:latin typeface="Arial"/>
               </a:rPr>
-              <a:t>Constructing the processing chain</a:t>
-            </a:r>
-            <a:endParaRPr lang="fr-FR" sz="2000" b="0" strike="noStrike" spc="-1">
-              <a:solidFill>
-                <a:srgbClr val="000000"/>
-              </a:solidFill>
-              <a:latin typeface="Arial"/>
-            </a:endParaRPr>
-          </a:p>
-          <a:p>
-            <a:pPr marL="864000" lvl="3" indent="-216000">
-              <a:spcBef>
-                <a:spcPts val="567"/>
-              </a:spcBef>
-              <a:buClr>
-                <a:srgbClr val="000000"/>
-              </a:buClr>
-              <a:buSzPct val="45000"/>
-              <a:buFont typeface="Wingdings" charset="2"/>
-              <a:buChar char=""/>
-            </a:pPr>
-            <a:r>
-              <a:rPr lang="en-GB" sz="2000" b="0" strike="noStrike" spc="-1">
-                <a:solidFill>
-                  <a:srgbClr val="000000"/>
-                </a:solidFill>
-                <a:latin typeface="Arial"/>
-              </a:rPr>
-              <a:t>Config files : an example</a:t>
-            </a:r>
-            <a:endParaRPr lang="fr-FR" sz="2000" b="0" strike="noStrike" spc="-1">
+              <a:t>processing chain</a:t>
+            </a:r>
+            <a:endParaRPr lang="fr-FR" sz="2000" b="0" strike="noStrike" spc="-1" dirty="0">
               <a:solidFill>
                 <a:srgbClr val="000000"/>
               </a:solidFill>
@@ -18033,7 +18040,7 @@
           <a:p>
             <a:fld id="{51A7CA8D-7D6A-4BEC-B3E5-9E02DC54E8E1}" type="datetime1">
               <a:rPr lang="ca-ES"/>
-              <a:t>16/8/2023</a:t>
+              <a:t>8/9/2023</a:t>
             </a:fld>
             <a:endParaRPr lang="ca-ES"/>
           </a:p>
@@ -18644,7 +18651,7 @@
           <a:p>
             <a:fld id="{C807A478-C632-405D-A2DD-82446D000E62}" type="datetime1">
               <a:rPr lang="ca-ES"/>
-              <a:t>16/8/2023</a:t>
+              <a:t>8/9/2023</a:t>
             </a:fld>
             <a:endParaRPr lang="ca-ES"/>
           </a:p>
@@ -18782,7 +18789,7 @@
           <a:p>
             <a:fld id="{F6CE696F-BD3B-435B-B16F-0C04845D1EF9}" type="datetime1">
               <a:rPr lang="ca-ES"/>
-              <a:t>16/8/2023</a:t>
+              <a:t>8/9/2023</a:t>
             </a:fld>
             <a:endParaRPr lang="ca-ES"/>
           </a:p>
@@ -19254,7 +19261,7 @@
           <a:p>
             <a:fld id="{80ECE3F2-F192-4D45-A03D-A23529CB400A}" type="datetime1">
               <a:rPr lang="ca-ES"/>
-              <a:t>16/8/2023</a:t>
+              <a:t>8/9/2023</a:t>
             </a:fld>
             <a:endParaRPr lang="ca-ES"/>
           </a:p>
@@ -19690,7 +19697,7 @@
           <a:p>
             <a:fld id="{B0F96871-3156-496D-AE73-F49994B087F4}" type="datetime1">
               <a:rPr lang="ca-ES"/>
-              <a:t>16/8/2023</a:t>
+              <a:t>8/9/2023</a:t>
             </a:fld>
             <a:endParaRPr lang="ca-ES"/>
           </a:p>
@@ -20562,7 +20569,7 @@
           <a:p>
             <a:fld id="{D38189EE-43C9-442D-8F74-A1C4AAAFC3CA}" type="datetime1">
               <a:rPr lang="ca-ES"/>
-              <a:t>16/8/2023</a:t>
+              <a:t>8/9/2023</a:t>
             </a:fld>
             <a:endParaRPr lang="ca-ES"/>
           </a:p>
@@ -21024,7 +21031,7 @@
           <a:p>
             <a:fld id="{2F5CAB7F-FE8C-46FC-9C43-A5D19C2DE11D}" type="datetime1">
               <a:rPr lang="ca-ES"/>
-              <a:t>16/8/2023</a:t>
+              <a:t>8/9/2023</a:t>
             </a:fld>
             <a:endParaRPr lang="ca-ES"/>
           </a:p>
@@ -21644,7 +21651,7 @@
           <a:p>
             <a:fld id="{5BCAB0B8-C499-4C9C-9661-E85BAC82F779}" type="datetime1">
               <a:rPr lang="ca-ES"/>
-              <a:t>16/8/2023</a:t>
+              <a:t>8/9/2023</a:t>
             </a:fld>
             <a:endParaRPr lang="ca-ES"/>
           </a:p>
@@ -22173,7 +22180,7 @@
           <a:p>
             <a:fld id="{461FCB58-03E8-471B-9810-1B45C602CECC}" type="datetime1">
               <a:rPr lang="ca-ES"/>
-              <a:t>16/8/2023</a:t>
+              <a:t>8/9/2023</a:t>
             </a:fld>
             <a:endParaRPr lang="ca-ES"/>
           </a:p>
@@ -23379,7 +23386,7 @@
           <a:p>
             <a:fld id="{C1B3AC13-A0B7-4E01-B62D-5824602C66AF}" type="datetime1">
               <a:rPr lang="ca-ES"/>
-              <a:t>16/8/2023</a:t>
+              <a:t>8/9/2023</a:t>
             </a:fld>
             <a:endParaRPr lang="ca-ES"/>
           </a:p>
@@ -23466,25 +23473,31 @@
         <p:nvGraphicFramePr>
           <p:cNvPr id="225" name="Tableau 224"/>
           <p:cNvGraphicFramePr/>
-          <p:nvPr/>
+          <p:nvPr>
+            <p:extLst>
+              <p:ext uri="{D42A27DB-BD31-4B8C-83A1-F6EECF244321}">
+                <p14:modId xmlns:p14="http://schemas.microsoft.com/office/powerpoint/2010/main" val="785214860"/>
+              </p:ext>
+            </p:extLst>
+          </p:nvPr>
         </p:nvGraphicFramePr>
         <p:xfrm>
           <a:off x="1332000" y="1446120"/>
-          <a:ext cx="6956640" cy="3108960"/>
+          <a:ext cx="7146982" cy="2560320"/>
         </p:xfrm>
         <a:graphic>
           <a:graphicData uri="http://schemas.openxmlformats.org/drawingml/2006/table">
             <a:tbl>
               <a:tblPr/>
               <a:tblGrid>
-                <a:gridCol w="2095920">
+                <a:gridCol w="2153267">
                   <a:extLst>
                     <a:ext uri="{9D8B030D-6E8A-4147-A177-3AD203B41FA5}">
                       <a16:colId xmlns:a16="http://schemas.microsoft.com/office/drawing/2014/main" val="20000"/>
                     </a:ext>
                   </a:extLst>
                 </a:gridCol>
-                <a:gridCol w="4860720">
+                <a:gridCol w="4993715">
                   <a:extLst>
                     <a:ext uri="{9D8B030D-6E8A-4147-A177-3AD203B41FA5}">
                       <a16:colId xmlns:a16="http://schemas.microsoft.com/office/drawing/2014/main" val="20001"/>
@@ -23832,7 +23845,7 @@
                     <a:lstStyle/>
                     <a:p>
                       <a:r>
-                        <a:rPr lang="en-GB" sz="1800" b="0" strike="noStrike" spc="-1">
+                        <a:rPr lang="en-GB" sz="1800" b="0" strike="noStrike" spc="-1" dirty="0">
                           <a:solidFill>
                             <a:srgbClr val="000000"/>
                           </a:solidFill>
@@ -23840,7 +23853,7 @@
                         </a:rPr>
                         <a:t>CFRADIALPYRAD</a:t>
                       </a:r>
-                      <a:endParaRPr lang="fr-FR" sz="1800" b="0" strike="noStrike" spc="-1">
+                      <a:endParaRPr lang="fr-FR" sz="1800" b="0" strike="noStrike" spc="-1" dirty="0">
                         <a:solidFill>
                           <a:srgbClr val="000000"/>
                         </a:solidFill>
@@ -24217,15 +24230,24 @@
                     <a:lstStyle/>
                     <a:p>
                       <a:r>
-                        <a:rPr lang="en-GB" sz="1800" b="0" strike="noStrike" spc="-1">
+                        <a:rPr lang="en-GB" sz="1800" b="0" strike="noStrike" spc="-1" dirty="0">
                           <a:solidFill>
                             <a:srgbClr val="000000"/>
                           </a:solidFill>
                           <a:latin typeface="Arial"/>
                         </a:rPr>
-                        <a:t>Data generated on the fly by Pyrad</a:t>
+                        <a:t>Data generated on the fly by </a:t>
                       </a:r>
-                      <a:endParaRPr lang="fr-FR" sz="1800" b="0" strike="noStrike" spc="-1">
+                      <a:r>
+                        <a:rPr lang="en-GB" sz="1800" b="0" strike="noStrike" spc="-1" dirty="0" err="1">
+                          <a:solidFill>
+                            <a:srgbClr val="000000"/>
+                          </a:solidFill>
+                          <a:latin typeface="Arial"/>
+                        </a:rPr>
+                        <a:t>Pyrad</a:t>
+                      </a:r>
+                      <a:endParaRPr lang="fr-FR" sz="1800" b="0" strike="noStrike" spc="-1" dirty="0">
                         <a:solidFill>
                           <a:srgbClr val="000000"/>
                         </a:solidFill>
@@ -24333,7 +24355,7 @@
           <a:p>
             <a:fld id="{3B340936-9761-4BD3-BD0A-19A822E33D17}" type="datetime1">
               <a:rPr lang="ca-ES"/>
-              <a:t>16/8/2023</a:t>
+              <a:t>8/9/2023</a:t>
             </a:fld>
             <a:endParaRPr lang="ca-ES"/>
           </a:p>
@@ -24471,7 +24493,7 @@
           <a:p>
             <a:fld id="{4C2B68A6-7D73-4B85-9C6B-59C73AEF7403}" type="datetime1">
               <a:rPr lang="ca-ES"/>
-              <a:t>16/8/2023</a:t>
+              <a:t>8/9/2023</a:t>
             </a:fld>
             <a:endParaRPr lang="ca-ES"/>
           </a:p>
@@ -26134,7 +26156,7 @@
           <a:p>
             <a:fld id="{DD10DD20-AACF-4D6B-815E-86CEAB166F86}" type="datetime1">
               <a:rPr lang="ca-ES"/>
-              <a:t>16/8/2023</a:t>
+              <a:t>8/9/2023</a:t>
             </a:fld>
             <a:endParaRPr lang="ca-ES"/>
           </a:p>
@@ -27499,7 +27521,7 @@
           <a:p>
             <a:fld id="{A87CF289-99BF-4670-8DF1-4AB8790E1B5E}" type="datetime1">
               <a:rPr lang="ca-ES"/>
-              <a:t>16/8/2023</a:t>
+              <a:t>8/9/2023</a:t>
             </a:fld>
             <a:endParaRPr lang="ca-ES"/>
           </a:p>
@@ -27973,7 +27995,7 @@
           <a:p>
             <a:fld id="{4A6F13C8-E9CB-43EE-A8EE-809089974B05}" type="datetime1">
               <a:rPr lang="ca-ES"/>
-              <a:t>16/8/2023</a:t>
+              <a:t>8/9/2023</a:t>
             </a:fld>
             <a:endParaRPr lang="ca-ES"/>
           </a:p>
@@ -28548,7 +28570,7 @@
           <a:p>
             <a:fld id="{9DAF86D3-8085-42D1-89E7-E54F08224E6C}" type="datetime1">
               <a:rPr lang="ca-ES"/>
-              <a:t>16/8/2023</a:t>
+              <a:t>8/9/2023</a:t>
             </a:fld>
             <a:endParaRPr lang="ca-ES"/>
           </a:p>
@@ -29801,7 +29823,7 @@
           <a:p>
             <a:fld id="{E5644E81-D94A-4FE3-B543-45899C25EEDF}" type="datetime1">
               <a:rPr lang="ca-ES"/>
-              <a:t>16/8/2023</a:t>
+              <a:t>8/9/2023</a:t>
             </a:fld>
             <a:endParaRPr lang="ca-ES"/>
           </a:p>
@@ -31309,7 +31331,7 @@
           <a:p>
             <a:fld id="{33E7D752-15B1-4C22-ADAE-19774A4D96F2}" type="datetime1">
               <a:rPr lang="ca-ES"/>
-              <a:t>16/8/2023</a:t>
+              <a:t>8/9/2023</a:t>
             </a:fld>
             <a:endParaRPr lang="ca-ES"/>
           </a:p>
@@ -31447,7 +31469,7 @@
           <a:p>
             <a:fld id="{7435D46B-172F-4DDA-B0CE-6F85C3049D38}" type="datetime1">
               <a:rPr lang="ca-ES"/>
-              <a:t>16/8/2023</a:t>
+              <a:t>8/9/2023</a:t>
             </a:fld>
             <a:endParaRPr lang="ca-ES"/>
           </a:p>
@@ -31959,7 +31981,7 @@
           <a:p>
             <a:fld id="{EEF28D66-7D89-45AC-81F9-849827E53E2A}" type="datetime1">
               <a:rPr lang="ca-ES"/>
-              <a:t>16/8/2023</a:t>
+              <a:t>8/9/2023</a:t>
             </a:fld>
             <a:endParaRPr lang="ca-ES"/>
           </a:p>
@@ -32486,7 +32508,7 @@
           <a:p>
             <a:fld id="{58644CEA-6BF8-47B5-A128-E1576A97905D}" type="datetime1">
               <a:rPr lang="ca-ES"/>
-              <a:t>16/8/2023</a:t>
+              <a:t>8/9/2023</a:t>
             </a:fld>
             <a:endParaRPr lang="ca-ES"/>
           </a:p>
@@ -33874,9 +33896,92 @@
           <a:p>
             <a:fld id="{8349E1C8-6539-4654-B152-C90CF1ADA503}" type="datetime1">
               <a:rPr lang="ca-ES"/>
-              <a:t>16/8/2023</a:t>
+              <a:t>8/9/2023</a:t>
             </a:fld>
             <a:endParaRPr lang="ca-ES"/>
+          </a:p>
+        </p:txBody>
+      </p:sp>
+      <p:sp>
+        <p:nvSpPr>
+          <p:cNvPr id="2" name="ZoneTexte 1">
+            <a:extLst>
+              <a:ext uri="{FF2B5EF4-FFF2-40B4-BE49-F238E27FC236}">
+                <a16:creationId xmlns:a16="http://schemas.microsoft.com/office/drawing/2014/main" id="{566AA545-BE4D-1CE2-FD4B-32B713C5B77C}"/>
+              </a:ext>
+            </a:extLst>
+          </p:cNvPr>
+          <p:cNvSpPr txBox="1"/>
+          <p:nvPr/>
+        </p:nvSpPr>
+        <p:spPr>
+          <a:xfrm>
+            <a:off x="6421582" y="5933209"/>
+            <a:ext cx="2377574" cy="646331"/>
+          </a:xfrm>
+          <a:prstGeom prst="rect">
+            <a:avLst/>
+          </a:prstGeom>
+          <a:noFill/>
+        </p:spPr>
+        <p:txBody>
+          <a:bodyPr wrap="none" rtlCol="0">
+            <a:spAutoFit/>
+          </a:bodyPr>
+          <a:lstStyle/>
+          <a:p>
+            <a:r>
+              <a:rPr lang="fr-FR" dirty="0">
+                <a:hlinkClick r:id="rId2"/>
+              </a:rPr>
+              <a:t>List of </a:t>
+            </a:r>
+            <a:r>
+              <a:rPr lang="fr-FR" dirty="0" err="1">
+                <a:hlinkClick r:id="rId2"/>
+              </a:rPr>
+              <a:t>pyrad</a:t>
+            </a:r>
+            <a:r>
+              <a:rPr lang="fr-FR" dirty="0">
+                <a:hlinkClick r:id="rId2"/>
+              </a:rPr>
+              <a:t> </a:t>
+            </a:r>
+            <a:r>
+              <a:rPr lang="fr-FR" dirty="0" err="1">
+                <a:hlinkClick r:id="rId2"/>
+              </a:rPr>
+              <a:t>datasets</a:t>
+            </a:r>
+            <a:endParaRPr lang="fr-FR" dirty="0"/>
+          </a:p>
+          <a:p>
+            <a:r>
+              <a:rPr lang="fr-FR" dirty="0">
+                <a:hlinkClick r:id="rId3"/>
+              </a:rPr>
+              <a:t>List of </a:t>
+            </a:r>
+            <a:r>
+              <a:rPr lang="fr-FR" dirty="0" err="1">
+                <a:hlinkClick r:id="rId3"/>
+              </a:rPr>
+              <a:t>pyrad</a:t>
+            </a:r>
+            <a:r>
+              <a:rPr lang="fr-FR" dirty="0">
+                <a:hlinkClick r:id="rId3"/>
+              </a:rPr>
+              <a:t> </a:t>
+            </a:r>
+            <a:r>
+              <a:rPr lang="fr-FR" dirty="0" err="1">
+                <a:hlinkClick r:id="rId3"/>
+              </a:rPr>
+              <a:t>products</a:t>
+            </a:r>
+            <a:endParaRPr lang="fr-FR" dirty="0"/>
           </a:p>
         </p:txBody>
       </p:sp>
@@ -34342,7 +34447,7 @@
           <a:p>
             <a:fld id="{79F7F490-D0D8-43B0-90A5-2158DB969EE8}" type="datetime1">
               <a:rPr lang="ca-ES"/>
-              <a:t>16/8/2023</a:t>
+              <a:t>8/9/2023</a:t>
             </a:fld>
             <a:endParaRPr lang="ca-ES"/>
           </a:p>
@@ -36436,7 +36541,7 @@
           <a:p>
             <a:fld id="{B33F8118-F3A9-4B2F-8666-203031C2A663}" type="datetime1">
               <a:rPr lang="ca-ES"/>
-              <a:t>16/8/2023</a:t>
+              <a:t>8/9/2023</a:t>
             </a:fld>
             <a:endParaRPr lang="ca-ES"/>
           </a:p>
@@ -36560,35 +36665,73 @@
               <a:buChar char=""/>
             </a:pPr>
             <a:r>
-              <a:rPr lang="en-GB" sz="2200" b="0" strike="noStrike" spc="-1">
+              <a:rPr lang="en-GB" sz="2200" b="0" strike="noStrike" spc="-1" dirty="0">
                 <a:solidFill>
                   <a:srgbClr val="000000"/>
                 </a:solidFill>
                 <a:latin typeface="Arial"/>
               </a:rPr>
-              <a:t>Internally pyrad uses the </a:t>
-            </a:r>
-            <a:r>
-              <a:rPr lang="en-GB" sz="2200" b="0" u="sng" strike="noStrike" spc="-1">
+              <a:t>Internally </a:t>
+            </a:r>
+            <a:r>
+              <a:rPr lang="en-GB" sz="2200" b="0" strike="noStrike" spc="-1" dirty="0" err="1">
+                <a:solidFill>
+                  <a:srgbClr val="000000"/>
+                </a:solidFill>
+                <a:latin typeface="Arial"/>
+              </a:rPr>
+              <a:t>pyrad</a:t>
+            </a:r>
+            <a:r>
+              <a:rPr lang="en-GB" sz="2200" b="0" strike="noStrike" spc="-1" dirty="0">
+                <a:solidFill>
+                  <a:srgbClr val="000000"/>
+                </a:solidFill>
+                <a:latin typeface="Arial"/>
+              </a:rPr>
+              <a:t> uses the </a:t>
+            </a:r>
+            <a:r>
+              <a:rPr lang="en-GB" sz="2200" b="0" u="sng" strike="noStrike" spc="-1" dirty="0">
                 <a:solidFill>
                   <a:srgbClr val="000000"/>
                 </a:solidFill>
                 <a:uFillTx/>
                 <a:latin typeface="Arial"/>
               </a:rPr>
-              <a:t>naming convention of Py-ART</a:t>
-            </a:r>
-            <a:r>
-              <a:rPr lang="en-GB" sz="2200" b="0" strike="noStrike" spc="-1">
-                <a:solidFill>
-                  <a:srgbClr val="000000"/>
-                </a:solidFill>
+              <a:t>naming convention of </a:t>
+            </a:r>
+            <a:r>
+              <a:rPr lang="en-GB" sz="2200" b="0" u="sng" strike="noStrike" spc="-1" dirty="0" err="1">
+                <a:solidFill>
+                  <a:srgbClr val="000000"/>
+                </a:solidFill>
+                <a:uFillTx/>
                 <a:latin typeface="Arial"/>
               </a:rPr>
+              <a:t>Py</a:t>
+            </a:r>
+            <a:r>
+              <a:rPr lang="en-GB" sz="2200" b="0" u="sng" strike="noStrike" spc="-1" dirty="0">
+                <a:solidFill>
+                  <a:srgbClr val="000000"/>
+                </a:solidFill>
+                <a:uFillTx/>
+                <a:latin typeface="Arial"/>
+              </a:rPr>
+              <a:t>-ART</a:t>
+            </a:r>
+            <a:r>
+              <a:rPr lang="en-GB" sz="2200" b="0" strike="noStrike" spc="-1" dirty="0">
+                <a:solidFill>
+                  <a:srgbClr val="000000"/>
+                </a:solidFill>
+                <a:latin typeface="Arial"/>
+              </a:rPr>
               <a:t> which follows closely the </a:t>
             </a:r>
             <a:r>
-              <a:rPr lang="en-GB" sz="2200" b="1" strike="noStrike" spc="-1">
+              <a:rPr lang="en-GB" sz="2200" b="1" strike="noStrike" spc="-1" dirty="0">
                 <a:solidFill>
                   <a:srgbClr val="000000"/>
                 </a:solidFill>
@@ -36597,7 +36740,7 @@
               <a:t>CF/Radial convention</a:t>
             </a:r>
             <a:r>
-              <a:rPr lang="en-GB" sz="2200" b="0" strike="noStrike" spc="-1">
+              <a:rPr lang="en-GB" sz="2200" b="0" strike="noStrike" spc="-1" dirty="0">
                 <a:solidFill>
                   <a:srgbClr val="000000"/>
                 </a:solidFill>
@@ -36605,7 +36748,7 @@
               </a:rPr>
               <a:t> for radar data fields.</a:t>
             </a:r>
-            <a:endParaRPr lang="fr-FR" sz="2200" b="0" strike="noStrike" spc="-1">
+            <a:endParaRPr lang="fr-FR" sz="2200" b="0" strike="noStrike" spc="-1" dirty="0">
               <a:solidFill>
                 <a:srgbClr val="000000"/>
               </a:solidFill>
@@ -36625,15 +36768,24 @@
               <a:buChar char=""/>
             </a:pPr>
             <a:r>
-              <a:rPr lang="en-GB" sz="2200" b="0" strike="noStrike" spc="-1">
+              <a:rPr lang="en-GB" sz="2200" b="0" strike="noStrike" spc="-1" dirty="0">
                 <a:solidFill>
                   <a:srgbClr val="000000"/>
                 </a:solidFill>
                 <a:latin typeface="Arial"/>
               </a:rPr>
-              <a:t>There are some fields that are non-standard and therefore defined by Pyrad</a:t>
-            </a:r>
-            <a:endParaRPr lang="fr-FR" sz="2200" b="0" strike="noStrike" spc="-1">
+              <a:t>There are some fields that are non-standard and therefore defined by </a:t>
+            </a:r>
+            <a:r>
+              <a:rPr lang="en-GB" sz="2200" b="0" strike="noStrike" spc="-1" dirty="0" err="1">
+                <a:solidFill>
+                  <a:srgbClr val="000000"/>
+                </a:solidFill>
+                <a:latin typeface="Arial"/>
+              </a:rPr>
+              <a:t>Pyrad</a:t>
+            </a:r>
+            <a:endParaRPr lang="fr-FR" sz="2200" b="0" strike="noStrike" spc="-1" dirty="0">
               <a:solidFill>
                 <a:srgbClr val="000000"/>
               </a:solidFill>
@@ -36653,24 +36805,51 @@
               <a:buChar char=""/>
             </a:pPr>
             <a:r>
-              <a:rPr lang="en-GB" sz="2200" b="0" strike="noStrike" spc="-1">
+              <a:rPr lang="en-GB" sz="2200" b="0" strike="noStrike" spc="-1" dirty="0">
                 <a:solidFill>
                   <a:srgbClr val="000000"/>
                 </a:solidFill>
                 <a:latin typeface="Arial"/>
               </a:rPr>
-              <a:t>The Py-ART names used internally are defined in the </a:t>
-            </a:r>
-            <a:r>
-              <a:rPr lang="en-GB" sz="2200" b="1" strike="noStrike" spc="-1">
+              <a:t>The </a:t>
+            </a:r>
+            <a:r>
+              <a:rPr lang="en-GB" sz="2200" b="0" strike="noStrike" spc="-1" dirty="0" err="1">
                 <a:solidFill>
                   <a:srgbClr val="000000"/>
                 </a:solidFill>
                 <a:latin typeface="Arial"/>
               </a:rPr>
-              <a:t>Py-ART config file</a:t>
-            </a:r>
-            <a:endParaRPr lang="fr-FR" sz="2200" b="0" strike="noStrike" spc="-1">
+              <a:t>Py</a:t>
+            </a:r>
+            <a:r>
+              <a:rPr lang="en-GB" sz="2200" b="0" strike="noStrike" spc="-1" dirty="0">
+                <a:solidFill>
+                  <a:srgbClr val="000000"/>
+                </a:solidFill>
+                <a:latin typeface="Arial"/>
+              </a:rPr>
+              <a:t>-ART names used internally are defined in the </a:t>
+            </a:r>
+            <a:r>
+              <a:rPr lang="en-GB" sz="2200" b="1" strike="noStrike" spc="-1" dirty="0" err="1">
+                <a:solidFill>
+                  <a:srgbClr val="000000"/>
+                </a:solidFill>
+                <a:latin typeface="Arial"/>
+              </a:rPr>
+              <a:t>Py</a:t>
+            </a:r>
+            <a:r>
+              <a:rPr lang="en-GB" sz="2200" b="1" strike="noStrike" spc="-1" dirty="0">
+                <a:solidFill>
+                  <a:srgbClr val="000000"/>
+                </a:solidFill>
+                <a:latin typeface="Arial"/>
+              </a:rPr>
+              <a:t>-ART config file</a:t>
+            </a:r>
+            <a:endParaRPr lang="fr-FR" sz="2200" b="0" strike="noStrike" spc="-1" dirty="0">
               <a:solidFill>
                 <a:srgbClr val="000000"/>
               </a:solidFill>
@@ -36690,16 +36869,88 @@
               <a:buChar char=""/>
             </a:pPr>
             <a:r>
-              <a:rPr lang="en-GB" sz="2200" b="0" strike="noStrike" spc="-1">
+              <a:rPr lang="en-GB" sz="2200" b="0" strike="noStrike" spc="-1" dirty="0">
                 <a:solidFill>
                   <a:srgbClr val="000000"/>
                 </a:solidFill>
                 <a:latin typeface="Arial"/>
               </a:rPr>
-              <a:t>Since the Py-ART naming is very long, Pyrad uses short keywords in the Pyrad config files. The short keywords are mapped internally using the function get_fieldname_pyart in </a:t>
-            </a:r>
-            <a:r>
-              <a:rPr lang="en-GB" sz="2200" b="0" strike="noStrike" spc="-1">
+              <a:t>Since the </a:t>
+            </a:r>
+            <a:r>
+              <a:rPr lang="en-GB" sz="2200" b="0" strike="noStrike" spc="-1" dirty="0" err="1">
+                <a:solidFill>
+                  <a:srgbClr val="000000"/>
+                </a:solidFill>
+                <a:latin typeface="Arial"/>
+              </a:rPr>
+              <a:t>Py</a:t>
+            </a:r>
+            <a:r>
+              <a:rPr lang="en-GB" sz="2200" b="0" strike="noStrike" spc="-1" dirty="0">
+                <a:solidFill>
+                  <a:srgbClr val="000000"/>
+                </a:solidFill>
+                <a:latin typeface="Arial"/>
+              </a:rPr>
+              <a:t>-ART naming is very long, </a:t>
+            </a:r>
+            <a:r>
+              <a:rPr lang="en-GB" sz="2200" b="0" strike="noStrike" spc="-1" dirty="0" err="1">
+                <a:solidFill>
+                  <a:srgbClr val="000000"/>
+                </a:solidFill>
+                <a:latin typeface="Arial"/>
+              </a:rPr>
+              <a:t>Pyrad</a:t>
+            </a:r>
+            <a:r>
+              <a:rPr lang="en-GB" sz="2200" b="0" strike="noStrike" spc="-1" dirty="0">
+                <a:solidFill>
+                  <a:srgbClr val="000000"/>
+                </a:solidFill>
+                <a:latin typeface="Arial"/>
+              </a:rPr>
+              <a:t> uses short keywords in the </a:t>
+            </a:r>
+            <a:r>
+              <a:rPr lang="en-GB" sz="2200" b="0" strike="noStrike" spc="-1" dirty="0" err="1">
+                <a:solidFill>
+                  <a:srgbClr val="000000"/>
+                </a:solidFill>
+                <a:latin typeface="Arial"/>
+              </a:rPr>
+              <a:t>Pyrad</a:t>
+            </a:r>
+            <a:r>
+              <a:rPr lang="en-GB" sz="2200" b="0" strike="noStrike" spc="-1" dirty="0">
+                <a:solidFill>
+                  <a:srgbClr val="000000"/>
+                </a:solidFill>
+                <a:latin typeface="Arial"/>
+              </a:rPr>
+              <a:t> config files. The short keywords are mapped internally using the function </a:t>
+            </a:r>
+            <a:r>
+              <a:rPr lang="en-GB" sz="2200" b="0" strike="noStrike" spc="-1" dirty="0" err="1">
+                <a:solidFill>
+                  <a:srgbClr val="000000"/>
+                </a:solidFill>
+                <a:latin typeface="Arial"/>
+              </a:rPr>
+              <a:t>get_fieldname_pyart</a:t>
+            </a:r>
+            <a:r>
+              <a:rPr lang="en-GB" sz="2200" b="0" strike="noStrike" spc="-1" dirty="0">
+                <a:solidFill>
+                  <a:srgbClr val="000000"/>
+                </a:solidFill>
+                <a:latin typeface="Arial"/>
+              </a:rPr>
+              <a:t> in </a:t>
+            </a:r>
+            <a:r>
+              <a:rPr lang="en-GB" sz="2200" b="0" strike="noStrike" spc="-1" dirty="0">
                 <a:solidFill>
                   <a:srgbClr val="000000"/>
                 </a:solidFill>
@@ -36708,7 +36959,7 @@
               </a:rPr>
               <a:t>io_aux.py</a:t>
             </a:r>
-            <a:endParaRPr lang="fr-FR" sz="2200" b="0" strike="noStrike" spc="-1">
+            <a:endParaRPr lang="fr-FR" sz="2200" b="0" strike="noStrike" spc="-1" dirty="0">
               <a:solidFill>
                 <a:srgbClr val="000000"/>
               </a:solidFill>
@@ -36728,15 +36979,51 @@
               <a:buChar char=""/>
             </a:pPr>
             <a:r>
-              <a:rPr lang="en-GB" sz="2200" b="0" strike="noStrike" spc="-1">
+              <a:rPr lang="en-GB" sz="2200" b="0" strike="noStrike" spc="-1" dirty="0">
                 <a:solidFill>
                   <a:srgbClr val="000000"/>
                 </a:solidFill>
                 <a:latin typeface="Arial"/>
               </a:rPr>
-              <a:t>The special keyword « all_fields » allows to load all data saved in a Pyrad generated volume    </a:t>
-            </a:r>
-            <a:endParaRPr lang="fr-FR" sz="2200" b="0" strike="noStrike" spc="-1">
+              <a:t>The special keyword « </a:t>
+            </a:r>
+            <a:r>
+              <a:rPr lang="en-GB" sz="2200" b="0" strike="noStrike" spc="-1" dirty="0" err="1">
+                <a:solidFill>
+                  <a:srgbClr val="000000"/>
+                </a:solidFill>
+                <a:latin typeface="Arial"/>
+              </a:rPr>
+              <a:t>all_fields</a:t>
+            </a:r>
+            <a:r>
+              <a:rPr lang="en-GB" sz="2200" b="0" strike="noStrike" spc="-1" dirty="0">
+                <a:solidFill>
+                  <a:srgbClr val="000000"/>
+                </a:solidFill>
+                <a:latin typeface="Arial"/>
+              </a:rPr>
+              <a:t> » allows to load all data saved in a </a:t>
+            </a:r>
+            <a:r>
+              <a:rPr lang="en-GB" sz="2200" b="0" strike="noStrike" spc="-1" dirty="0" err="1">
+                <a:solidFill>
+                  <a:srgbClr val="000000"/>
+                </a:solidFill>
+                <a:latin typeface="Arial"/>
+              </a:rPr>
+              <a:t>Pyrad</a:t>
+            </a:r>
+            <a:r>
+              <a:rPr lang="en-GB" sz="2200" b="0" strike="noStrike" spc="-1" dirty="0">
+                <a:solidFill>
+                  <a:srgbClr val="000000"/>
+                </a:solidFill>
+                <a:latin typeface="Arial"/>
+              </a:rPr>
+              <a:t> generated volume    </a:t>
+            </a:r>
+            <a:endParaRPr lang="fr-FR" sz="2200" b="0" strike="noStrike" spc="-1" dirty="0">
               <a:solidFill>
                 <a:srgbClr val="000000"/>
               </a:solidFill>
@@ -36805,9 +37092,71 @@
           <a:p>
             <a:fld id="{D6D5426A-7A2B-4964-93CA-348B49EB8CFA}" type="datetime1">
               <a:rPr lang="ca-ES"/>
-              <a:t>16/8/2023</a:t>
+              <a:t>8/9/2023</a:t>
             </a:fld>
             <a:endParaRPr lang="ca-ES"/>
+          </a:p>
+        </p:txBody>
+      </p:sp>
+      <p:sp>
+        <p:nvSpPr>
+          <p:cNvPr id="2" name="ZoneTexte 1">
+            <a:extLst>
+              <a:ext uri="{FF2B5EF4-FFF2-40B4-BE49-F238E27FC236}">
+                <a16:creationId xmlns:a16="http://schemas.microsoft.com/office/drawing/2014/main" id="{EAEBF6D9-ACEC-4971-B3D0-00F0B25663A7}"/>
+              </a:ext>
+            </a:extLst>
+          </p:cNvPr>
+          <p:cNvSpPr txBox="1"/>
+          <p:nvPr/>
+        </p:nvSpPr>
+        <p:spPr>
+          <a:xfrm>
+            <a:off x="6608618" y="5933209"/>
+            <a:ext cx="3296736" cy="369332"/>
+          </a:xfrm>
+          <a:prstGeom prst="rect">
+            <a:avLst/>
+          </a:prstGeom>
+          <a:noFill/>
+        </p:spPr>
+        <p:txBody>
+          <a:bodyPr wrap="none" rtlCol="0">
+            <a:spAutoFit/>
+          </a:bodyPr>
+          <a:lstStyle/>
+          <a:p>
+            <a:r>
+              <a:rPr lang="fr-FR" dirty="0">
+                <a:hlinkClick r:id="rId3"/>
+              </a:rPr>
+              <a:t>Mapping of </a:t>
+            </a:r>
+            <a:r>
+              <a:rPr lang="fr-FR" dirty="0" err="1">
+                <a:hlinkClick r:id="rId3"/>
+              </a:rPr>
+              <a:t>Pyrad</a:t>
+            </a:r>
+            <a:r>
+              <a:rPr lang="fr-FR" dirty="0">
+                <a:hlinkClick r:id="rId3"/>
+              </a:rPr>
+              <a:t> </a:t>
+            </a:r>
+            <a:r>
+              <a:rPr lang="fr-FR" dirty="0" err="1">
+                <a:hlinkClick r:id="rId3"/>
+              </a:rPr>
+              <a:t>into</a:t>
+            </a:r>
+            <a:r>
+              <a:rPr lang="fr-FR" dirty="0">
+                <a:hlinkClick r:id="rId3"/>
+              </a:rPr>
+              <a:t> Py-ART</a:t>
+            </a:r>
+            <a:endParaRPr lang="fr-FR" dirty="0"/>
           </a:p>
         </p:txBody>
       </p:sp>
@@ -37325,7 +37674,7 @@
           <a:p>
             <a:fld id="{6B9A8CB6-2F23-48E1-9E46-EACD1C68CF81}" type="datetime1">
               <a:rPr lang="ca-ES"/>
-              <a:t>16/8/2023</a:t>
+              <a:t>8/9/2023</a:t>
             </a:fld>
             <a:endParaRPr lang="ca-ES"/>
           </a:p>
@@ -38204,7 +38553,7 @@
           <a:p>
             <a:fld id="{CA4E6A38-807F-488D-A1FB-1911E3E7A4CF}" type="datetime1">
               <a:rPr lang="ca-ES"/>
-              <a:t>16/8/2023</a:t>
+              <a:t>8/9/2023</a:t>
             </a:fld>
             <a:endParaRPr lang="ca-ES"/>
           </a:p>
@@ -38219,144 +38568,6 @@
 </file>
 
 <file path=ppt/slides/slide44.xml><?xml version="1.0" encoding="utf-8"?>
-<p:sld xmlns:a="http://schemas.openxmlformats.org/drawingml/2006/main" xmlns:r="http://schemas.openxmlformats.org/officeDocument/2006/relationships" xmlns:p="http://schemas.openxmlformats.org/presentationml/2006/main">
-  <p:cSld>
-    <p:spTree>
-      <p:nvGrpSpPr>
-        <p:cNvPr id="1" name=""/>
-        <p:cNvGrpSpPr/>
-        <p:nvPr/>
-      </p:nvGrpSpPr>
-      <p:grpSpPr>
-        <a:xfrm>
-          <a:off x="0" y="0"/>
-          <a:ext cx="0" cy="0"/>
-          <a:chOff x="0" y="0"/>
-          <a:chExt cx="0" cy="0"/>
-        </a:xfrm>
-      </p:grpSpPr>
-      <p:sp>
-        <p:nvSpPr>
-          <p:cNvPr id="256" name="PlaceHolder 1"/>
-          <p:cNvSpPr>
-            <a:spLocks noGrp="1"/>
-          </p:cNvSpPr>
-          <p:nvPr>
-            <p:ph type="subTitle"/>
-          </p:nvPr>
-        </p:nvSpPr>
-        <p:spPr>
-          <a:xfrm>
-            <a:off x="328320" y="1962720"/>
-            <a:ext cx="8448120" cy="2854800"/>
-          </a:xfrm>
-          <a:prstGeom prst="rect">
-            <a:avLst/>
-          </a:prstGeom>
-          <a:noFill/>
-          <a:ln w="0">
-            <a:noFill/>
-          </a:ln>
-        </p:spPr>
-        <p:txBody>
-          <a:bodyPr lIns="0" tIns="0" rIns="0" bIns="0" anchor="ctr">
-            <a:noAutofit/>
-          </a:bodyPr>
-          <a:lstStyle/>
-          <a:p>
-            <a:r>
-              <a:rPr lang="en-GB" sz="3200" b="1" strike="noStrike" spc="-1">
-                <a:solidFill>
-                  <a:srgbClr val="5770BE"/>
-                </a:solidFill>
-                <a:latin typeface="Arial"/>
-              </a:rPr>
-              <a:t>7. Config files: an example</a:t>
-            </a:r>
-            <a:endParaRPr lang="fr-FR" sz="3200" b="0" strike="noStrike" spc="-1">
-              <a:solidFill>
-                <a:srgbClr val="000000"/>
-              </a:solidFill>
-              <a:latin typeface="Arial"/>
-            </a:endParaRPr>
-          </a:p>
-        </p:txBody>
-      </p:sp>
-      <p:sp>
-        <p:nvSpPr>
-          <p:cNvPr id="3" name="PlaceHolder 2"/>
-          <p:cNvSpPr>
-            <a:spLocks noGrp="1"/>
-          </p:cNvSpPr>
-          <p:nvPr>
-            <p:ph type="ftr" idx="3"/>
-          </p:nvPr>
-        </p:nvSpPr>
-        <p:spPr/>
-        <p:txBody>
-          <a:bodyPr/>
-          <a:lstStyle/>
-          <a:p>
-            <a:r>
-              <a:t>Pyrad course: Pyrad architecture and principles</a:t>
-            </a:r>
-          </a:p>
-        </p:txBody>
-      </p:sp>
-      <p:sp>
-        <p:nvSpPr>
-          <p:cNvPr id="4" name="PlaceHolder 3"/>
-          <p:cNvSpPr>
-            <a:spLocks noGrp="1"/>
-          </p:cNvSpPr>
-          <p:nvPr>
-            <p:ph type="sldNum" idx="4"/>
-          </p:nvPr>
-        </p:nvSpPr>
-        <p:spPr/>
-        <p:txBody>
-          <a:bodyPr/>
-          <a:lstStyle/>
-          <a:p>
-            <a:fld id="{CA80D98B-4355-4E3C-A61F-417C00ABE6CB}" type="slidenum">
-              <a:t>44</a:t>
-            </a:fld>
-            <a:endParaRPr/>
-          </a:p>
-        </p:txBody>
-      </p:sp>
-      <p:sp>
-        <p:nvSpPr>
-          <p:cNvPr id="5" name="PlaceHolder 4"/>
-          <p:cNvSpPr>
-            <a:spLocks noGrp="1"/>
-          </p:cNvSpPr>
-          <p:nvPr>
-            <p:ph type="dt" idx="5"/>
-          </p:nvPr>
-        </p:nvSpPr>
-        <p:spPr/>
-        <p:txBody>
-          <a:bodyPr/>
-          <a:lstStyle/>
-          <a:p>
-            <a:fld id="{CB13818A-F2A1-4B8C-A939-61D87A8AEC4D}" type="datetime1">
-              <a:rPr lang="ca-ES"/>
-              <a:t>16/8/2023</a:t>
-            </a:fld>
-            <a:endParaRPr lang="ca-ES"/>
-          </a:p>
-        </p:txBody>
-      </p:sp>
-    </p:spTree>
-  </p:cSld>
-  <p:clrMapOvr>
-    <a:masterClrMapping/>
-  </p:clrMapOvr>
-</p:sld>
-</file>
-
-<file path=ppt/slides/slide45.xml><?xml version="1.0" encoding="utf-8"?>
 <p:sld xmlns:a="http://schemas.openxmlformats.org/drawingml/2006/main" xmlns:r="http://schemas.openxmlformats.org/officeDocument/2006/relationships" xmlns:p="http://schemas.openxmlformats.org/presentationml/2006/main">
   <p:cSld>
     <p:spTree>
@@ -39080,7 +39291,7 @@
           <a:p>
             <a:fld id="{3A16939C-2B8D-4809-A8D2-A76CFF3BE4DD}" type="datetime1">
               <a:rPr lang="ca-ES"/>
-              <a:t>16/8/2023</a:t>
+              <a:t>8/9/2023</a:t>
             </a:fld>
             <a:endParaRPr lang="ca-ES"/>
           </a:p>
@@ -39207,7 +39418,7 @@
               <a:buChar char=""/>
             </a:pPr>
             <a:r>
-              <a:rPr lang="en-GB" sz="2200" b="0" strike="noStrike" spc="-1">
+              <a:rPr lang="en-GB" sz="2200" b="0" strike="noStrike" spc="-1" dirty="0">
                 <a:solidFill>
                   <a:srgbClr val="000000"/>
                 </a:solidFill>
@@ -39215,7 +39426,7 @@
               </a:rPr>
               <a:t>Python-based (&gt; v. 3.7)</a:t>
             </a:r>
-            <a:endParaRPr lang="fr-FR" sz="2200" b="0" strike="noStrike" spc="-1">
+            <a:endParaRPr lang="fr-FR" sz="2200" b="0" strike="noStrike" spc="-1" dirty="0">
               <a:solidFill>
                 <a:srgbClr val="000000"/>
               </a:solidFill>
@@ -39238,7 +39449,7 @@
               <a:buChar char=""/>
             </a:pPr>
             <a:r>
-              <a:rPr lang="en-GB" sz="2200" b="0" strike="noStrike" spc="-1">
+              <a:rPr lang="en-GB" sz="2200" b="0" strike="noStrike" spc="-1" dirty="0">
                 <a:solidFill>
                   <a:srgbClr val="000000"/>
                 </a:solidFill>
@@ -39246,7 +39457,7 @@
               </a:rPr>
               <a:t>Linux platform</a:t>
             </a:r>
-            <a:endParaRPr lang="fr-FR" sz="2200" b="0" strike="noStrike" spc="-1">
+            <a:endParaRPr lang="fr-FR" sz="2200" b="0" strike="noStrike" spc="-1" dirty="0">
               <a:solidFill>
                 <a:srgbClr val="000000"/>
               </a:solidFill>
@@ -39269,7 +39480,7 @@
               <a:buChar char=""/>
             </a:pPr>
             <a:r>
-              <a:rPr lang="en-GB" sz="2200" b="0" strike="noStrike" spc="-1">
+              <a:rPr lang="en-GB" sz="2200" b="0" strike="noStrike" spc="-1" dirty="0">
                 <a:solidFill>
                   <a:srgbClr val="000000"/>
                 </a:solidFill>
@@ -39278,7 +39489,7 @@
               <a:t>Open source, version controlled (</a:t>
             </a:r>
             <a:r>
-              <a:rPr lang="en-GB" sz="2200" b="1" strike="noStrike" spc="-1">
+              <a:rPr lang="en-GB" sz="2200" b="1" strike="noStrike" spc="-1" dirty="0">
                 <a:solidFill>
                   <a:srgbClr val="000000"/>
                 </a:solidFill>
@@ -39288,7 +39499,7 @@
               <a:t>https://github.com/MeteoSwiss/pyrad</a:t>
             </a:r>
             <a:r>
-              <a:rPr lang="en-GB" sz="2200" b="0" strike="noStrike" spc="-1">
+              <a:rPr lang="en-GB" sz="2200" b="0" strike="noStrike" spc="-1" dirty="0">
                 <a:solidFill>
                   <a:srgbClr val="000000"/>
                 </a:solidFill>
@@ -39296,7 +39507,7 @@
               </a:rPr>
               <a:t>)</a:t>
             </a:r>
-            <a:endParaRPr lang="fr-FR" sz="2200" b="0" strike="noStrike" spc="-1">
+            <a:endParaRPr lang="fr-FR" sz="2200" b="0" strike="noStrike" spc="-1" dirty="0">
               <a:solidFill>
                 <a:srgbClr val="000000"/>
               </a:solidFill>
@@ -39319,7 +39530,7 @@
               <a:buChar char=""/>
             </a:pPr>
             <a:r>
-              <a:rPr lang="en-GB" sz="2200" b="0" strike="noStrike" spc="-1">
+              <a:rPr lang="en-GB" sz="2200" b="0" strike="noStrike" spc="-1" dirty="0">
                 <a:solidFill>
                   <a:srgbClr val="000000"/>
                 </a:solidFill>
@@ -39328,43 +39539,81 @@
               <a:t>Core based on our own version of </a:t>
             </a:r>
             <a:r>
-              <a:rPr lang="en-GB" sz="2200" b="1" strike="noStrike" spc="-1">
+              <a:rPr lang="en-GB" sz="2200" b="1" strike="noStrike" spc="-1" dirty="0">
                 <a:solidFill>
                   <a:srgbClr val="000000"/>
                 </a:solidFill>
                 <a:latin typeface="Arial"/>
                 <a:hlinkClick r:id="rId3"/>
               </a:rPr>
-              <a:t>ARM-DOE Py-ART</a:t>
-            </a:r>
-            <a:r>
-              <a:rPr lang="en-GB" sz="2200" b="0" strike="noStrike" spc="-1">
+              <a:t>ARM-DOE </a:t>
+            </a:r>
+            <a:r>
+              <a:rPr lang="en-GB" sz="2200" b="1" strike="noStrike" spc="-1" dirty="0" err="1">
                 <a:solidFill>
                   <a:srgbClr val="000000"/>
                 </a:solidFill>
                 <a:latin typeface="Arial"/>
+                <a:hlinkClick r:id="rId3"/>
+              </a:rPr>
+              <a:t>Py</a:t>
+            </a:r>
+            <a:r>
+              <a:rPr lang="en-GB" sz="2200" b="1" strike="noStrike" spc="-1" dirty="0">
+                <a:solidFill>
+                  <a:srgbClr val="000000"/>
+                </a:solidFill>
+                <a:latin typeface="Arial"/>
+                <a:hlinkClick r:id="rId3"/>
+              </a:rPr>
+              <a:t>-ART</a:t>
+            </a:r>
+            <a:r>
+              <a:rPr lang="en-GB" sz="2200" b="0" strike="noStrike" spc="-1" dirty="0">
+                <a:solidFill>
+                  <a:srgbClr val="000000"/>
+                </a:solidFill>
+                <a:latin typeface="Arial"/>
               </a:rPr>
               <a:t> (</a:t>
             </a:r>
             <a:r>
-              <a:rPr lang="en-GB" sz="2200" b="0" strike="noStrike" spc="-1">
+              <a:rPr lang="en-GB" sz="2200" b="0" strike="noStrike" spc="-1" dirty="0">
                 <a:solidFill>
                   <a:srgbClr val="FF0000"/>
                 </a:solidFill>
                 <a:latin typeface="Arial"/>
               </a:rPr>
-              <a:t>The Pyrad project contributes back regularly</a:t>
-            </a:r>
-            <a:r>
-              <a:rPr lang="en-GB" sz="2200" b="0" strike="noStrike" spc="-1">
-                <a:solidFill>
-                  <a:srgbClr val="000000"/>
+              <a:t>The </a:t>
+            </a:r>
+            <a:r>
+              <a:rPr lang="en-GB" sz="2200" b="0" strike="noStrike" spc="-1" dirty="0" err="1">
+                <a:solidFill>
+                  <a:srgbClr val="FF0000"/>
                 </a:solidFill>
                 <a:latin typeface="Arial"/>
               </a:rPr>
+              <a:t>Pyrad</a:t>
+            </a:r>
+            <a:r>
+              <a:rPr lang="en-GB" sz="2200" b="0" strike="noStrike" spc="-1" dirty="0">
+                <a:solidFill>
+                  <a:srgbClr val="FF0000"/>
+                </a:solidFill>
+                <a:latin typeface="Arial"/>
+              </a:rPr>
+              <a:t> project contributes back regularly</a:t>
+            </a:r>
+            <a:r>
+              <a:rPr lang="en-GB" sz="2200" b="0" strike="noStrike" spc="-1" dirty="0">
+                <a:solidFill>
+                  <a:srgbClr val="000000"/>
+                </a:solidFill>
+                <a:latin typeface="Arial"/>
+              </a:rPr>
               <a:t>) </a:t>
             </a:r>
-            <a:endParaRPr lang="fr-FR" sz="2200" b="0" strike="noStrike" spc="-1">
+            <a:endParaRPr lang="fr-FR" sz="2200" b="0" strike="noStrike" spc="-1" dirty="0">
               <a:solidFill>
                 <a:srgbClr val="000000"/>
               </a:solidFill>
@@ -39387,7 +39636,7 @@
               <a:buChar char=""/>
             </a:pPr>
             <a:r>
-              <a:rPr lang="en-GB" sz="2200" b="0" strike="noStrike" spc="-1">
+              <a:rPr lang="en-GB" sz="2200" b="0" strike="noStrike" spc="-1" dirty="0">
                 <a:solidFill>
                   <a:srgbClr val="000000"/>
                 </a:solidFill>
@@ -39395,7 +39644,7 @@
               </a:rPr>
               <a:t>Possibility to ingest data from multiple radars</a:t>
             </a:r>
-            <a:endParaRPr lang="fr-FR" sz="2200" b="0" strike="noStrike" spc="-1">
+            <a:endParaRPr lang="fr-FR" sz="2200" b="0" strike="noStrike" spc="-1" dirty="0">
               <a:solidFill>
                 <a:srgbClr val="000000"/>
               </a:solidFill>
@@ -39418,7 +39667,7 @@
               <a:buChar char=""/>
             </a:pPr>
             <a:r>
-              <a:rPr lang="en-GB" sz="2200" b="0" strike="noStrike" spc="-1">
+              <a:rPr lang="en-GB" sz="2200" b="0" strike="noStrike" spc="-1" dirty="0">
                 <a:solidFill>
                   <a:srgbClr val="000000"/>
                 </a:solidFill>
@@ -39426,7 +39675,7 @@
               </a:rPr>
               <a:t>Ingests multiple data types: IQ data, spectral data, polarimetric and Doppler moments, Cartesian data, etc.</a:t>
             </a:r>
-            <a:endParaRPr lang="fr-FR" sz="2200" b="0" strike="noStrike" spc="-1">
+            <a:endParaRPr lang="fr-FR" sz="2200" b="0" strike="noStrike" spc="-1" dirty="0">
               <a:solidFill>
                 <a:srgbClr val="000000"/>
               </a:solidFill>
@@ -39449,7 +39698,7 @@
               <a:buChar char=""/>
             </a:pPr>
             <a:r>
-              <a:rPr lang="en-GB" sz="2200" b="0" strike="noStrike" spc="-1">
+              <a:rPr lang="en-GB" sz="2200" b="0" strike="noStrike" spc="-1" dirty="0">
                 <a:solidFill>
                   <a:srgbClr val="000000"/>
                 </a:solidFill>
@@ -39457,7 +39706,7 @@
               </a:rPr>
               <a:t>Capable of reading the main file formats used for volume radar data storage </a:t>
             </a:r>
-            <a:endParaRPr lang="fr-FR" sz="2200" b="0" strike="noStrike" spc="-1">
+            <a:endParaRPr lang="fr-FR" sz="2200" b="0" strike="noStrike" spc="-1" dirty="0">
               <a:solidFill>
                 <a:srgbClr val="000000"/>
               </a:solidFill>
@@ -39480,7 +39729,7 @@
               <a:buChar char=""/>
             </a:pPr>
             <a:r>
-              <a:rPr lang="en-GB" sz="2200" b="1" strike="noStrike" spc="-1">
+              <a:rPr lang="en-GB" sz="2200" b="1" strike="noStrike" spc="-1" dirty="0">
                 <a:solidFill>
                   <a:srgbClr val="000000"/>
                 </a:solidFill>
@@ -39489,7 +39738,7 @@
               <a:t>Automatic documentation published </a:t>
             </a:r>
             <a:r>
-              <a:rPr lang="en-GB" sz="2200" b="1" strike="noStrike" spc="-1">
+              <a:rPr lang="en-GB" sz="2200" b="1" strike="noStrike" spc="-1" dirty="0">
                 <a:solidFill>
                   <a:srgbClr val="000000"/>
                 </a:solidFill>
@@ -39499,7 +39748,7 @@
               <a:t>online</a:t>
             </a:r>
             <a:r>
-              <a:rPr lang="en-GB" sz="2200" b="0" strike="noStrike" spc="-1">
+              <a:rPr lang="en-GB" sz="2200" b="0" strike="noStrike" spc="-1" dirty="0">
                 <a:solidFill>
                   <a:srgbClr val="000000"/>
                 </a:solidFill>
@@ -39507,7 +39756,7 @@
               </a:rPr>
               <a:t> based on doc-strings</a:t>
             </a:r>
-            <a:endParaRPr lang="fr-FR" sz="2200" b="0" strike="noStrike" spc="-1">
+            <a:endParaRPr lang="fr-FR" sz="2200" b="0" strike="noStrike" spc="-1" dirty="0">
               <a:solidFill>
                 <a:srgbClr val="000000"/>
               </a:solidFill>
@@ -39530,7 +39779,7 @@
               <a:buChar char=""/>
             </a:pPr>
             <a:r>
-              <a:rPr lang="en-GB" sz="2200" b="0" strike="noStrike" spc="-1">
+              <a:rPr lang="en-GB" sz="2200" b="0" strike="noStrike" spc="-1" dirty="0">
                 <a:solidFill>
                   <a:srgbClr val="000000"/>
                 </a:solidFill>
@@ -39539,7 +39788,7 @@
               <a:t>Easy to install (</a:t>
             </a:r>
             <a:r>
-              <a:rPr lang="en-GB" sz="2200" b="0" strike="noStrike" spc="-1">
+              <a:rPr lang="en-GB" sz="2200" b="0" strike="noStrike" spc="-1" dirty="0" err="1">
                 <a:solidFill>
                   <a:srgbClr val="000000"/>
                 </a:solidFill>
@@ -39549,7 +39798,7 @@
               <a:t>PyPI</a:t>
             </a:r>
             <a:r>
-              <a:rPr lang="en-GB" sz="2200" b="0" strike="noStrike" spc="-1">
+              <a:rPr lang="en-GB" sz="2200" b="0" strike="noStrike" spc="-1" dirty="0">
                 <a:solidFill>
                   <a:srgbClr val="000000"/>
                 </a:solidFill>
@@ -39558,7 +39807,7 @@
               <a:t>, </a:t>
             </a:r>
             <a:r>
-              <a:rPr lang="en-GB" sz="2200" b="0" strike="noStrike" spc="-1">
+              <a:rPr lang="en-GB" sz="2200" b="0" strike="noStrike" spc="-1" dirty="0" err="1">
                 <a:solidFill>
                   <a:srgbClr val="000000"/>
                 </a:solidFill>
@@ -39568,7 +39817,7 @@
               <a:t>conda</a:t>
             </a:r>
             <a:r>
-              <a:rPr lang="en-GB" sz="2200" b="0" strike="noStrike" spc="-1">
+              <a:rPr lang="en-GB" sz="2200" b="0" strike="noStrike" spc="-1" dirty="0">
                 <a:solidFill>
                   <a:srgbClr val="000000"/>
                 </a:solidFill>
@@ -39576,7 +39825,7 @@
               </a:rPr>
               <a:t>)</a:t>
             </a:r>
-            <a:endParaRPr lang="fr-FR" sz="2200" b="0" strike="noStrike" spc="-1">
+            <a:endParaRPr lang="fr-FR" sz="2200" b="0" strike="noStrike" spc="-1" dirty="0">
               <a:solidFill>
                 <a:srgbClr val="000000"/>
               </a:solidFill>
@@ -39594,7 +39843,7 @@
               <a:buNone/>
             </a:pPr>
             <a:r>
-              <a:rPr lang="en-GB" sz="1800" b="0" strike="noStrike" spc="-1">
+              <a:rPr lang="en-GB" sz="1800" b="0" strike="noStrike" spc="-1" dirty="0">
                 <a:solidFill>
                   <a:srgbClr val="000000"/>
                 </a:solidFill>
@@ -39602,7 +39851,7 @@
               </a:rPr>
               <a:t> </a:t>
             </a:r>
-            <a:endParaRPr lang="fr-FR" sz="1800" b="0" strike="noStrike" spc="-1">
+            <a:endParaRPr lang="fr-FR" sz="1800" b="0" strike="noStrike" spc="-1" dirty="0">
               <a:solidFill>
                 <a:srgbClr val="000000"/>
               </a:solidFill>
@@ -39620,7 +39869,7 @@
               <a:buNone/>
             </a:pPr>
             <a:r>
-              <a:rPr lang="en-GB" sz="1800" b="0" strike="noStrike" spc="-1">
+              <a:rPr lang="en-GB" sz="1800" b="0" strike="noStrike" spc="-1" dirty="0">
                 <a:solidFill>
                   <a:srgbClr val="000000"/>
                 </a:solidFill>
@@ -39628,7 +39877,7 @@
               </a:rPr>
               <a:t> </a:t>
             </a:r>
-            <a:endParaRPr lang="fr-FR" sz="1800" b="0" strike="noStrike" spc="-1">
+            <a:endParaRPr lang="fr-FR" sz="1800" b="0" strike="noStrike" spc="-1" dirty="0">
               <a:solidFill>
                 <a:srgbClr val="000000"/>
               </a:solidFill>
@@ -39697,7 +39946,7 @@
           <a:p>
             <a:fld id="{C6C6E466-2191-4A94-B394-A729B9068662}" type="datetime1">
               <a:rPr lang="ca-ES"/>
-              <a:t>16/8/2023</a:t>
+              <a:t>8/9/2023</a:t>
             </a:fld>
             <a:endParaRPr lang="ca-ES"/>
           </a:p>
@@ -39835,7 +40084,7 @@
           <a:p>
             <a:fld id="{2A588C18-A4D8-444B-A0DC-CC87F91E7C3C}" type="datetime1">
               <a:rPr lang="ca-ES"/>
-              <a:t>16/8/2023</a:t>
+              <a:t>8/9/2023</a:t>
             </a:fld>
             <a:endParaRPr lang="ca-ES"/>
           </a:p>
@@ -40225,7 +40474,7 @@
           <a:p>
             <a:fld id="{4C3548ED-1DAC-4CBC-94DC-C4990A470CF9}" type="datetime1">
               <a:rPr lang="ca-ES"/>
-              <a:t>16/8/2023</a:t>
+              <a:t>8/9/2023</a:t>
             </a:fld>
             <a:endParaRPr lang="ca-ES"/>
           </a:p>
@@ -40391,7 +40640,7 @@
           <a:p>
             <a:fld id="{5734DFA3-F88F-41BD-88B1-BA4702D95873}" type="datetime1">
               <a:rPr lang="ca-ES"/>
-              <a:t>16/8/2023</a:t>
+              <a:t>8/9/2023</a:t>
             </a:fld>
             <a:endParaRPr lang="ca-ES"/>
           </a:p>
